--- a/SearchYou-ppt.pptx
+++ b/SearchYou-ppt.pptx
@@ -6,10 +6,12 @@
   </p:sldMasterIdLst>
   <p:sldIdLst>
     <p:sldId id="256" r:id="rId2"/>
-    <p:sldId id="257" r:id="rId3"/>
-    <p:sldId id="258" r:id="rId4"/>
-    <p:sldId id="259" r:id="rId5"/>
-    <p:sldId id="260" r:id="rId6"/>
+    <p:sldId id="261" r:id="rId3"/>
+    <p:sldId id="262" r:id="rId4"/>
+    <p:sldId id="257" r:id="rId5"/>
+    <p:sldId id="258" r:id="rId6"/>
+    <p:sldId id="259" r:id="rId7"/>
+    <p:sldId id="260" r:id="rId8"/>
   </p:sldIdLst>
   <p:sldSz cx="12192000" cy="6858000"/>
   <p:notesSz cx="6858000" cy="9144000"/>
@@ -108,6 +110,11 @@
       </a:defRPr>
     </a:lvl9pPr>
   </p:defaultTextStyle>
+  <p:extLst>
+    <p:ext uri="{EFAFB233-063F-42B5-8137-9DF3F51BA10A}">
+      <p15:sldGuideLst xmlns:p15="http://schemas.microsoft.com/office/powerpoint/2012/main"/>
+    </p:ext>
+  </p:extLst>
 </p:presentation>
 </file>
 
@@ -300,7 +307,7 @@
             <a:fld id="{B61BEF0D-F0BB-DE4B-95CE-6DB70DBA9567}" type="datetimeFigureOut">
               <a:rPr lang="en-US" dirty="0"/>
               <a:pPr/>
-              <a:t>3/30/2015</a:t>
+              <a:t>4/2/2015</a:t>
             </a:fld>
             <a:endParaRPr lang="en-US" dirty="0"/>
           </a:p>
@@ -635,7 +642,7 @@
             <a:fld id="{B61BEF0D-F0BB-DE4B-95CE-6DB70DBA9567}" type="datetimeFigureOut">
               <a:rPr lang="en-US" dirty="0"/>
               <a:pPr/>
-              <a:t>3/30/2015</a:t>
+              <a:t>4/2/2015</a:t>
             </a:fld>
             <a:endParaRPr lang="en-US" dirty="0"/>
           </a:p>
@@ -1033,7 +1040,7 @@
             <a:fld id="{B61BEF0D-F0BB-DE4B-95CE-6DB70DBA9567}" type="datetimeFigureOut">
               <a:rPr lang="en-US" dirty="0"/>
               <a:pPr/>
-              <a:t>3/30/2015</a:t>
+              <a:t>4/2/2015</a:t>
             </a:fld>
             <a:endParaRPr lang="en-US" dirty="0"/>
           </a:p>
@@ -1366,7 +1373,7 @@
             <a:fld id="{B61BEF0D-F0BB-DE4B-95CE-6DB70DBA9567}" type="datetimeFigureOut">
               <a:rPr lang="en-US" dirty="0"/>
               <a:pPr/>
-              <a:t>3/30/2015</a:t>
+              <a:t>4/2/2015</a:t>
             </a:fld>
             <a:endParaRPr lang="en-US" dirty="0"/>
           </a:p>
@@ -1683,7 +1690,7 @@
             <a:fld id="{B61BEF0D-F0BB-DE4B-95CE-6DB70DBA9567}" type="datetimeFigureOut">
               <a:rPr lang="en-US" dirty="0"/>
               <a:pPr/>
-              <a:t>3/30/2015</a:t>
+              <a:t>4/2/2015</a:t>
             </a:fld>
             <a:endParaRPr lang="en-US" dirty="0"/>
           </a:p>
@@ -2076,7 +2083,7 @@
             <a:fld id="{B61BEF0D-F0BB-DE4B-95CE-6DB70DBA9567}" type="datetimeFigureOut">
               <a:rPr lang="en-US" dirty="0"/>
               <a:pPr/>
-              <a:t>3/30/2015</a:t>
+              <a:t>4/2/2015</a:t>
             </a:fld>
             <a:endParaRPr lang="en-US" dirty="0"/>
           </a:p>
@@ -2330,7 +2337,7 @@
             <a:fld id="{B61BEF0D-F0BB-DE4B-95CE-6DB70DBA9567}" type="datetimeFigureOut">
               <a:rPr lang="en-US" dirty="0"/>
               <a:pPr/>
-              <a:t>3/30/2015</a:t>
+              <a:t>4/2/2015</a:t>
             </a:fld>
             <a:endParaRPr lang="en-US" dirty="0"/>
           </a:p>
@@ -2589,7 +2596,7 @@
             <a:fld id="{B61BEF0D-F0BB-DE4B-95CE-6DB70DBA9567}" type="datetimeFigureOut">
               <a:rPr lang="en-US" dirty="0"/>
               <a:pPr/>
-              <a:t>3/30/2015</a:t>
+              <a:t>4/2/2015</a:t>
             </a:fld>
             <a:endParaRPr lang="en-US" dirty="0"/>
           </a:p>
@@ -2848,7 +2855,7 @@
             <a:fld id="{B61BEF0D-F0BB-DE4B-95CE-6DB70DBA9567}" type="datetimeFigureOut">
               <a:rPr lang="en-US" dirty="0"/>
               <a:pPr/>
-              <a:t>3/30/2015</a:t>
+              <a:t>4/2/2015</a:t>
             </a:fld>
             <a:endParaRPr lang="en-US" dirty="0"/>
           </a:p>
@@ -3174,7 +3181,7 @@
             <a:fld id="{B61BEF0D-F0BB-DE4B-95CE-6DB70DBA9567}" type="datetimeFigureOut">
               <a:rPr lang="en-US" dirty="0"/>
               <a:pPr/>
-              <a:t>3/30/2015</a:t>
+              <a:t>4/2/2015</a:t>
             </a:fld>
             <a:endParaRPr lang="en-US" dirty="0"/>
           </a:p>
@@ -3494,7 +3501,7 @@
             <a:fld id="{B61BEF0D-F0BB-DE4B-95CE-6DB70DBA9567}" type="datetimeFigureOut">
               <a:rPr lang="en-US" dirty="0"/>
               <a:pPr/>
-              <a:t>3/30/2015</a:t>
+              <a:t>4/2/2015</a:t>
             </a:fld>
             <a:endParaRPr lang="en-US" dirty="0"/>
           </a:p>
@@ -3948,7 +3955,7 @@
             <a:fld id="{B61BEF0D-F0BB-DE4B-95CE-6DB70DBA9567}" type="datetimeFigureOut">
               <a:rPr lang="en-US" dirty="0"/>
               <a:pPr/>
-              <a:t>3/30/2015</a:t>
+              <a:t>4/2/2015</a:t>
             </a:fld>
             <a:endParaRPr lang="en-US" dirty="0"/>
           </a:p>
@@ -4150,7 +4157,7 @@
             <a:fld id="{B61BEF0D-F0BB-DE4B-95CE-6DB70DBA9567}" type="datetimeFigureOut">
               <a:rPr lang="en-US" dirty="0"/>
               <a:pPr/>
-              <a:t>3/30/2015</a:t>
+              <a:t>4/2/2015</a:t>
             </a:fld>
             <a:endParaRPr lang="en-US" dirty="0"/>
           </a:p>
@@ -4324,7 +4331,7 @@
             <a:fld id="{B61BEF0D-F0BB-DE4B-95CE-6DB70DBA9567}" type="datetimeFigureOut">
               <a:rPr lang="en-US" dirty="0"/>
               <a:pPr/>
-              <a:t>3/30/2015</a:t>
+              <a:t>4/2/2015</a:t>
             </a:fld>
             <a:endParaRPr lang="en-US" dirty="0"/>
           </a:p>
@@ -4654,7 +4661,7 @@
             <a:fld id="{B61BEF0D-F0BB-DE4B-95CE-6DB70DBA9567}" type="datetimeFigureOut">
               <a:rPr lang="en-US" dirty="0"/>
               <a:pPr/>
-              <a:t>3/30/2015</a:t>
+              <a:t>4/2/2015</a:t>
             </a:fld>
             <a:endParaRPr lang="en-US" dirty="0"/>
           </a:p>
@@ -4996,7 +5003,7 @@
             <a:fld id="{B61BEF0D-F0BB-DE4B-95CE-6DB70DBA9567}" type="datetimeFigureOut">
               <a:rPr lang="en-US" dirty="0"/>
               <a:pPr/>
-              <a:t>3/30/2015</a:t>
+              <a:t>4/2/2015</a:t>
             </a:fld>
             <a:endParaRPr lang="en-US" dirty="0"/>
           </a:p>
@@ -7110,7 +7117,7 @@
             <a:fld id="{B61BEF0D-F0BB-DE4B-95CE-6DB70DBA9567}" type="datetimeFigureOut">
               <a:rPr lang="en-US" dirty="0"/>
               <a:pPr/>
-              <a:t>3/30/2015</a:t>
+              <a:t>4/2/2015</a:t>
             </a:fld>
             <a:endParaRPr lang="en-US" dirty="0"/>
           </a:p>
@@ -7740,6 +7747,499 @@
           <a:chExt cx="0" cy="0"/>
         </a:xfrm>
       </p:grpSpPr>
+      <p:sp>
+        <p:nvSpPr>
+          <p:cNvPr id="4" name="标题 1"/>
+          <p:cNvSpPr txBox="1">
+            <a:spLocks/>
+          </p:cNvSpPr>
+          <p:nvPr/>
+        </p:nvSpPr>
+        <p:spPr>
+          <a:xfrm>
+            <a:off x="1524000" y="1662690"/>
+            <a:ext cx="9144000" cy="1142855"/>
+          </a:xfrm>
+          <a:prstGeom prst="rect">
+            <a:avLst/>
+          </a:prstGeom>
+        </p:spPr>
+        <p:txBody>
+          <a:bodyPr vert="horz" lIns="91440" tIns="45720" rIns="91440" bIns="45720" rtlCol="0" anchor="t">
+            <a:normAutofit/>
+          </a:bodyPr>
+          <a:lstStyle>
+            <a:lvl1pPr algn="l" defTabSz="457200" rtl="0" eaLnBrk="1" latinLnBrk="0" hangingPunct="1">
+              <a:spcBef>
+                <a:spcPct val="0"/>
+              </a:spcBef>
+              <a:buNone/>
+              <a:defRPr sz="3600" kern="1200">
+                <a:solidFill>
+                  <a:schemeClr val="tx1">
+                    <a:lumMod val="85000"/>
+                    <a:lumOff val="15000"/>
+                  </a:schemeClr>
+                </a:solidFill>
+                <a:latin typeface="+mj-lt"/>
+                <a:ea typeface="+mj-ea"/>
+                <a:cs typeface="+mj-cs"/>
+              </a:defRPr>
+            </a:lvl1pPr>
+            <a:lvl2pPr eaLnBrk="1" hangingPunct="1">
+              <a:defRPr>
+                <a:solidFill>
+                  <a:schemeClr val="tx2"/>
+                </a:solidFill>
+              </a:defRPr>
+            </a:lvl2pPr>
+            <a:lvl3pPr eaLnBrk="1" hangingPunct="1">
+              <a:defRPr>
+                <a:solidFill>
+                  <a:schemeClr val="tx2"/>
+                </a:solidFill>
+              </a:defRPr>
+            </a:lvl3pPr>
+            <a:lvl4pPr eaLnBrk="1" hangingPunct="1">
+              <a:defRPr>
+                <a:solidFill>
+                  <a:schemeClr val="tx2"/>
+                </a:solidFill>
+              </a:defRPr>
+            </a:lvl4pPr>
+            <a:lvl5pPr eaLnBrk="1" hangingPunct="1">
+              <a:defRPr>
+                <a:solidFill>
+                  <a:schemeClr val="tx2"/>
+                </a:solidFill>
+              </a:defRPr>
+            </a:lvl5pPr>
+            <a:lvl6pPr eaLnBrk="1" hangingPunct="1">
+              <a:defRPr>
+                <a:solidFill>
+                  <a:schemeClr val="tx2"/>
+                </a:solidFill>
+              </a:defRPr>
+            </a:lvl6pPr>
+            <a:lvl7pPr eaLnBrk="1" hangingPunct="1">
+              <a:defRPr>
+                <a:solidFill>
+                  <a:schemeClr val="tx2"/>
+                </a:solidFill>
+              </a:defRPr>
+            </a:lvl7pPr>
+            <a:lvl8pPr eaLnBrk="1" hangingPunct="1">
+              <a:defRPr>
+                <a:solidFill>
+                  <a:schemeClr val="tx2"/>
+                </a:solidFill>
+              </a:defRPr>
+            </a:lvl8pPr>
+            <a:lvl9pPr eaLnBrk="1" hangingPunct="1">
+              <a:defRPr>
+                <a:solidFill>
+                  <a:schemeClr val="tx2"/>
+                </a:solidFill>
+              </a:defRPr>
+            </a:lvl9pPr>
+          </a:lstStyle>
+          <a:p>
+            <a:r>
+              <a:rPr lang="en-US" altLang="zh-CN" dirty="0" smtClean="0"/>
+              <a:t>Purpose</a:t>
+            </a:r>
+            <a:endParaRPr lang="zh-CN" altLang="en-US" dirty="0"/>
+          </a:p>
+        </p:txBody>
+      </p:sp>
+      <p:sp>
+        <p:nvSpPr>
+          <p:cNvPr id="5" name="副标题 2"/>
+          <p:cNvSpPr txBox="1">
+            <a:spLocks/>
+          </p:cNvSpPr>
+          <p:nvPr/>
+        </p:nvSpPr>
+        <p:spPr>
+          <a:xfrm>
+            <a:off x="1524000" y="3602038"/>
+            <a:ext cx="9144000" cy="1655762"/>
+          </a:xfrm>
+          <a:prstGeom prst="rect">
+            <a:avLst/>
+          </a:prstGeom>
+        </p:spPr>
+        <p:txBody>
+          <a:bodyPr vert="horz" lIns="91440" tIns="45720" rIns="91440" bIns="45720" rtlCol="0">
+            <a:noAutofit/>
+          </a:bodyPr>
+          <a:lstStyle>
+            <a:lvl1pPr marL="342900" indent="-342900" algn="l" defTabSz="457200" rtl="0" eaLnBrk="1" latinLnBrk="0" hangingPunct="1">
+              <a:spcBef>
+                <a:spcPts val="1000"/>
+              </a:spcBef>
+              <a:spcAft>
+                <a:spcPts val="0"/>
+              </a:spcAft>
+              <a:buClr>
+                <a:schemeClr val="accent1"/>
+              </a:buClr>
+              <a:buFont typeface="Wingdings 3" charset="2"/>
+              <a:buChar char=""/>
+              <a:defRPr sz="1800" kern="1200">
+                <a:solidFill>
+                  <a:schemeClr val="tx1">
+                    <a:lumMod val="75000"/>
+                    <a:lumOff val="25000"/>
+                  </a:schemeClr>
+                </a:solidFill>
+                <a:latin typeface="+mn-lt"/>
+                <a:ea typeface="+mn-ea"/>
+                <a:cs typeface="+mn-cs"/>
+              </a:defRPr>
+            </a:lvl1pPr>
+            <a:lvl2pPr marL="742950" indent="-285750" algn="l" defTabSz="457200" rtl="0" eaLnBrk="1" latinLnBrk="0" hangingPunct="1">
+              <a:spcBef>
+                <a:spcPts val="1000"/>
+              </a:spcBef>
+              <a:spcAft>
+                <a:spcPts val="0"/>
+              </a:spcAft>
+              <a:buClr>
+                <a:schemeClr val="accent1"/>
+              </a:buClr>
+              <a:buFont typeface="Wingdings 3" charset="2"/>
+              <a:buChar char=""/>
+              <a:defRPr sz="1600" kern="1200">
+                <a:solidFill>
+                  <a:schemeClr val="tx1">
+                    <a:lumMod val="75000"/>
+                    <a:lumOff val="25000"/>
+                  </a:schemeClr>
+                </a:solidFill>
+                <a:latin typeface="+mn-lt"/>
+                <a:ea typeface="+mn-ea"/>
+                <a:cs typeface="+mn-cs"/>
+              </a:defRPr>
+            </a:lvl2pPr>
+            <a:lvl3pPr marL="1143000" indent="-228600" algn="l" defTabSz="457200" rtl="0" eaLnBrk="1" latinLnBrk="0" hangingPunct="1">
+              <a:spcBef>
+                <a:spcPts val="1000"/>
+              </a:spcBef>
+              <a:spcAft>
+                <a:spcPts val="0"/>
+              </a:spcAft>
+              <a:buClr>
+                <a:schemeClr val="accent1"/>
+              </a:buClr>
+              <a:buFont typeface="Wingdings 3" charset="2"/>
+              <a:buChar char=""/>
+              <a:defRPr sz="1400" kern="1200">
+                <a:solidFill>
+                  <a:schemeClr val="tx1">
+                    <a:lumMod val="75000"/>
+                    <a:lumOff val="25000"/>
+                  </a:schemeClr>
+                </a:solidFill>
+                <a:latin typeface="+mn-lt"/>
+                <a:ea typeface="+mn-ea"/>
+                <a:cs typeface="+mn-cs"/>
+              </a:defRPr>
+            </a:lvl3pPr>
+            <a:lvl4pPr marL="1600200" indent="-228600" algn="l" defTabSz="457200" rtl="0" eaLnBrk="1" latinLnBrk="0" hangingPunct="1">
+              <a:spcBef>
+                <a:spcPts val="1000"/>
+              </a:spcBef>
+              <a:spcAft>
+                <a:spcPts val="0"/>
+              </a:spcAft>
+              <a:buClr>
+                <a:schemeClr val="accent1"/>
+              </a:buClr>
+              <a:buFont typeface="Wingdings 3" charset="2"/>
+              <a:buChar char=""/>
+              <a:defRPr sz="1200" kern="1200">
+                <a:solidFill>
+                  <a:schemeClr val="tx1">
+                    <a:lumMod val="75000"/>
+                    <a:lumOff val="25000"/>
+                  </a:schemeClr>
+                </a:solidFill>
+                <a:latin typeface="+mn-lt"/>
+                <a:ea typeface="+mn-ea"/>
+                <a:cs typeface="+mn-cs"/>
+              </a:defRPr>
+            </a:lvl4pPr>
+            <a:lvl5pPr marL="2057400" indent="-228600" algn="l" defTabSz="457200" rtl="0" eaLnBrk="1" latinLnBrk="0" hangingPunct="1">
+              <a:spcBef>
+                <a:spcPts val="1000"/>
+              </a:spcBef>
+              <a:spcAft>
+                <a:spcPts val="0"/>
+              </a:spcAft>
+              <a:buClr>
+                <a:schemeClr val="accent1"/>
+              </a:buClr>
+              <a:buFont typeface="Wingdings 3" charset="2"/>
+              <a:buChar char=""/>
+              <a:defRPr sz="1200" kern="1200">
+                <a:solidFill>
+                  <a:schemeClr val="tx1">
+                    <a:lumMod val="75000"/>
+                    <a:lumOff val="25000"/>
+                  </a:schemeClr>
+                </a:solidFill>
+                <a:latin typeface="+mn-lt"/>
+                <a:ea typeface="+mn-ea"/>
+                <a:cs typeface="+mn-cs"/>
+              </a:defRPr>
+            </a:lvl5pPr>
+            <a:lvl6pPr marL="2514600" indent="-228600" algn="l" defTabSz="457200" rtl="0" eaLnBrk="1" latinLnBrk="0" hangingPunct="1">
+              <a:spcBef>
+                <a:spcPts val="1000"/>
+              </a:spcBef>
+              <a:spcAft>
+                <a:spcPts val="0"/>
+              </a:spcAft>
+              <a:buClr>
+                <a:schemeClr val="accent1"/>
+              </a:buClr>
+              <a:buFont typeface="Wingdings 3" charset="2"/>
+              <a:buChar char=""/>
+              <a:defRPr sz="1200" kern="1200">
+                <a:solidFill>
+                  <a:schemeClr val="tx1">
+                    <a:lumMod val="75000"/>
+                    <a:lumOff val="25000"/>
+                  </a:schemeClr>
+                </a:solidFill>
+                <a:latin typeface="+mn-lt"/>
+                <a:ea typeface="+mn-ea"/>
+                <a:cs typeface="+mn-cs"/>
+              </a:defRPr>
+            </a:lvl6pPr>
+            <a:lvl7pPr marL="2971800" indent="-228600" algn="l" defTabSz="457200" rtl="0" eaLnBrk="1" latinLnBrk="0" hangingPunct="1">
+              <a:spcBef>
+                <a:spcPts val="1000"/>
+              </a:spcBef>
+              <a:spcAft>
+                <a:spcPts val="0"/>
+              </a:spcAft>
+              <a:buClr>
+                <a:schemeClr val="accent1"/>
+              </a:buClr>
+              <a:buFont typeface="Wingdings 3" charset="2"/>
+              <a:buChar char=""/>
+              <a:defRPr sz="1200" kern="1200">
+                <a:solidFill>
+                  <a:schemeClr val="tx1">
+                    <a:lumMod val="75000"/>
+                    <a:lumOff val="25000"/>
+                  </a:schemeClr>
+                </a:solidFill>
+                <a:latin typeface="+mn-lt"/>
+                <a:ea typeface="+mn-ea"/>
+                <a:cs typeface="+mn-cs"/>
+              </a:defRPr>
+            </a:lvl7pPr>
+            <a:lvl8pPr marL="3429000" indent="-228600" algn="l" defTabSz="457200" rtl="0" eaLnBrk="1" latinLnBrk="0" hangingPunct="1">
+              <a:spcBef>
+                <a:spcPts val="1000"/>
+              </a:spcBef>
+              <a:spcAft>
+                <a:spcPts val="0"/>
+              </a:spcAft>
+              <a:buClr>
+                <a:schemeClr val="accent1"/>
+              </a:buClr>
+              <a:buFont typeface="Wingdings 3" charset="2"/>
+              <a:buChar char=""/>
+              <a:defRPr sz="1200" kern="1200">
+                <a:solidFill>
+                  <a:schemeClr val="tx1">
+                    <a:lumMod val="75000"/>
+                    <a:lumOff val="25000"/>
+                  </a:schemeClr>
+                </a:solidFill>
+                <a:latin typeface="+mn-lt"/>
+                <a:ea typeface="+mn-ea"/>
+                <a:cs typeface="+mn-cs"/>
+              </a:defRPr>
+            </a:lvl8pPr>
+            <a:lvl9pPr marL="3886200" indent="-228600" algn="l" defTabSz="457200" rtl="0" eaLnBrk="1" latinLnBrk="0" hangingPunct="1">
+              <a:spcBef>
+                <a:spcPts val="1000"/>
+              </a:spcBef>
+              <a:spcAft>
+                <a:spcPts val="0"/>
+              </a:spcAft>
+              <a:buClr>
+                <a:schemeClr val="accent1"/>
+              </a:buClr>
+              <a:buFont typeface="Wingdings 3" charset="2"/>
+              <a:buChar char=""/>
+              <a:defRPr sz="1200" kern="1200">
+                <a:solidFill>
+                  <a:schemeClr val="tx1">
+                    <a:lumMod val="75000"/>
+                    <a:lumOff val="25000"/>
+                  </a:schemeClr>
+                </a:solidFill>
+                <a:latin typeface="+mn-lt"/>
+                <a:ea typeface="+mn-ea"/>
+                <a:cs typeface="+mn-cs"/>
+              </a:defRPr>
+            </a:lvl9pPr>
+          </a:lstStyle>
+          <a:p>
+            <a:r>
+              <a:rPr lang="en-US" altLang="zh-CN" sz="3600" dirty="0" smtClean="0"/>
+              <a:t>1.Make the employment more convenient </a:t>
+            </a:r>
+          </a:p>
+          <a:p>
+            <a:r>
+              <a:rPr lang="en-US" altLang="zh-CN" sz="3600" dirty="0" smtClean="0"/>
+              <a:t>2.Connect between the employer and employee</a:t>
+            </a:r>
+            <a:endParaRPr lang="zh-CN" altLang="en-US" sz="3600" dirty="0"/>
+          </a:p>
+        </p:txBody>
+      </p:sp>
+    </p:spTree>
+    <p:extLst>
+      <p:ext uri="{BB962C8B-B14F-4D97-AF65-F5344CB8AC3E}">
+        <p14:creationId xmlns:p14="http://schemas.microsoft.com/office/powerpoint/2010/main" val="1630897736"/>
+      </p:ext>
+    </p:extLst>
+  </p:cSld>
+  <p:clrMapOvr>
+    <a:masterClrMapping/>
+  </p:clrMapOvr>
+</p:sld>
+</file>
+
+<file path=ppt/slides/slide3.xml><?xml version="1.0" encoding="utf-8"?>
+<p:sld xmlns:a="http://schemas.openxmlformats.org/drawingml/2006/main" xmlns:r="http://schemas.openxmlformats.org/officeDocument/2006/relationships" xmlns:p="http://schemas.openxmlformats.org/presentationml/2006/main">
+  <p:cSld>
+    <p:spTree>
+      <p:nvGrpSpPr>
+        <p:cNvPr id="1" name=""/>
+        <p:cNvGrpSpPr/>
+        <p:nvPr/>
+      </p:nvGrpSpPr>
+      <p:grpSpPr>
+        <a:xfrm>
+          <a:off x="0" y="0"/>
+          <a:ext cx="0" cy="0"/>
+          <a:chOff x="0" y="0"/>
+          <a:chExt cx="0" cy="0"/>
+        </a:xfrm>
+      </p:grpSpPr>
+      <p:sp>
+        <p:nvSpPr>
+          <p:cNvPr id="4" name="标题 1"/>
+          <p:cNvSpPr>
+            <a:spLocks noGrp="1"/>
+          </p:cNvSpPr>
+          <p:nvPr>
+            <p:ph type="title"/>
+          </p:nvPr>
+        </p:nvSpPr>
+        <p:spPr>
+          <a:xfrm>
+            <a:off x="1676400" y="803007"/>
+            <a:ext cx="10515600" cy="1325563"/>
+          </a:xfrm>
+        </p:spPr>
+        <p:txBody>
+          <a:bodyPr/>
+          <a:lstStyle/>
+          <a:p>
+            <a:r>
+              <a:rPr lang="en-US" altLang="zh-CN" dirty="0" smtClean="0"/>
+              <a:t>Audiences</a:t>
+            </a:r>
+            <a:r>
+              <a:rPr lang="zh-CN" altLang="en-US" dirty="0" smtClean="0"/>
+              <a:t>：</a:t>
+            </a:r>
+            <a:endParaRPr lang="zh-CN" altLang="en-US" dirty="0"/>
+          </a:p>
+        </p:txBody>
+      </p:sp>
+      <p:sp>
+        <p:nvSpPr>
+          <p:cNvPr id="5" name="内容占位符 2"/>
+          <p:cNvSpPr>
+            <a:spLocks noGrp="1"/>
+          </p:cNvSpPr>
+          <p:nvPr>
+            <p:ph idx="1"/>
+          </p:nvPr>
+        </p:nvSpPr>
+        <p:spPr>
+          <a:xfrm>
+            <a:off x="1676400" y="2727146"/>
+            <a:ext cx="10515600" cy="4351338"/>
+          </a:xfrm>
+        </p:spPr>
+        <p:txBody>
+          <a:bodyPr>
+            <a:normAutofit/>
+          </a:bodyPr>
+          <a:lstStyle/>
+          <a:p>
+            <a:pPr marL="0" indent="0">
+              <a:buNone/>
+            </a:pPr>
+            <a:r>
+              <a:rPr lang="en-US" altLang="zh-CN" sz="3600" dirty="0" smtClean="0"/>
+              <a:t>1.Students(employee)</a:t>
+            </a:r>
+          </a:p>
+          <a:p>
+            <a:pPr marL="0" indent="0">
+              <a:buNone/>
+            </a:pPr>
+            <a:r>
+              <a:rPr lang="en-US" altLang="zh-CN" sz="3600" dirty="0" smtClean="0"/>
+              <a:t>2.Companies(employer)</a:t>
+            </a:r>
+            <a:endParaRPr lang="zh-CN" altLang="en-US" sz="3600" dirty="0"/>
+          </a:p>
+        </p:txBody>
+      </p:sp>
+    </p:spTree>
+    <p:extLst>
+      <p:ext uri="{BB962C8B-B14F-4D97-AF65-F5344CB8AC3E}">
+        <p14:creationId xmlns:p14="http://schemas.microsoft.com/office/powerpoint/2010/main" val="2324334923"/>
+      </p:ext>
+    </p:extLst>
+  </p:cSld>
+  <p:clrMapOvr>
+    <a:masterClrMapping/>
+  </p:clrMapOvr>
+</p:sld>
+</file>
+
+<file path=ppt/slides/slide4.xml><?xml version="1.0" encoding="utf-8"?>
+<p:sld xmlns:a="http://schemas.openxmlformats.org/drawingml/2006/main" xmlns:r="http://schemas.openxmlformats.org/officeDocument/2006/relationships" xmlns:p="http://schemas.openxmlformats.org/presentationml/2006/main">
+  <p:cSld>
+    <p:spTree>
+      <p:nvGrpSpPr>
+        <p:cNvPr id="1" name=""/>
+        <p:cNvGrpSpPr/>
+        <p:nvPr/>
+      </p:nvGrpSpPr>
+      <p:grpSpPr>
+        <a:xfrm>
+          <a:off x="0" y="0"/>
+          <a:ext cx="0" cy="0"/>
+          <a:chOff x="0" y="0"/>
+          <a:chExt cx="0" cy="0"/>
+        </a:xfrm>
+      </p:grpSpPr>
       <p:pic>
         <p:nvPicPr>
           <p:cNvPr id="4" name="图片 3"/>
@@ -7783,7 +8283,7 @@
 </p:sld>
 </file>
 
-<file path=ppt/slides/slide3.xml><?xml version="1.0" encoding="utf-8"?>
+<file path=ppt/slides/slide5.xml><?xml version="1.0" encoding="utf-8"?>
 <p:sld xmlns:a="http://schemas.openxmlformats.org/drawingml/2006/main" xmlns:r="http://schemas.openxmlformats.org/officeDocument/2006/relationships" xmlns:p="http://schemas.openxmlformats.org/presentationml/2006/main">
   <p:cSld>
     <p:spTree>
@@ -7850,7 +8350,7 @@
 </p:sld>
 </file>
 
-<file path=ppt/slides/slide4.xml><?xml version="1.0" encoding="utf-8"?>
+<file path=ppt/slides/slide6.xml><?xml version="1.0" encoding="utf-8"?>
 <p:sld xmlns:a="http://schemas.openxmlformats.org/drawingml/2006/main" xmlns:r="http://schemas.openxmlformats.org/officeDocument/2006/relationships" xmlns:p="http://schemas.openxmlformats.org/presentationml/2006/main">
   <p:cSld>
     <p:spTree>
@@ -8044,7 +8544,7 @@
 </p:sld>
 </file>
 
-<file path=ppt/slides/slide5.xml><?xml version="1.0" encoding="utf-8"?>
+<file path=ppt/slides/slide7.xml><?xml version="1.0" encoding="utf-8"?>
 <p:sld xmlns:a="http://schemas.openxmlformats.org/drawingml/2006/main" xmlns:r="http://schemas.openxmlformats.org/officeDocument/2006/relationships" xmlns:p="http://schemas.openxmlformats.org/presentationml/2006/main">
   <p:cSld>
     <p:spTree>

--- a/SearchYou-ppt.pptx
+++ b/SearchYou-ppt.pptx
@@ -6,12 +6,14 @@
   </p:sldMasterIdLst>
   <p:sldIdLst>
     <p:sldId id="256" r:id="rId2"/>
-    <p:sldId id="261" r:id="rId3"/>
-    <p:sldId id="262" r:id="rId4"/>
-    <p:sldId id="257" r:id="rId5"/>
-    <p:sldId id="258" r:id="rId6"/>
-    <p:sldId id="259" r:id="rId7"/>
-    <p:sldId id="260" r:id="rId8"/>
+    <p:sldId id="262" r:id="rId3"/>
+    <p:sldId id="261" r:id="rId4"/>
+    <p:sldId id="263" r:id="rId5"/>
+    <p:sldId id="264" r:id="rId6"/>
+    <p:sldId id="257" r:id="rId7"/>
+    <p:sldId id="258" r:id="rId8"/>
+    <p:sldId id="259" r:id="rId9"/>
+    <p:sldId id="260" r:id="rId10"/>
   </p:sldIdLst>
   <p:sldSz cx="12192000" cy="6858000"/>
   <p:notesSz cx="6858000" cy="9144000"/>
@@ -7664,8 +7666,8 @@
         </p:nvSpPr>
         <p:spPr>
           <a:xfrm>
-            <a:off x="3439329" y="3748223"/>
-            <a:ext cx="5163758" cy="1323439"/>
+            <a:off x="2756078" y="2984270"/>
+            <a:ext cx="6516710" cy="1323439"/>
           </a:xfrm>
           <a:prstGeom prst="rect">
             <a:avLst/>
@@ -7680,7 +7682,7 @@
           <a:p>
             <a:pPr algn="ctr"/>
             <a:r>
-              <a:rPr lang="en-US" altLang="zh-CN" sz="8000" b="1" cap="none" spc="0" dirty="0" err="1" smtClean="0">
+              <a:rPr lang="en-US" altLang="zh-CN" sz="8000" b="1" cap="none" spc="0" dirty="0" smtClean="0">
                 <a:ln w="6600">
                   <a:solidFill>
                     <a:schemeClr val="accent2"/>
@@ -7696,7 +7698,7 @@
                   </a:outerShdw>
                 </a:effectLst>
               </a:rPr>
-              <a:t>SearchYou</a:t>
+              <a:t>Search You</a:t>
             </a:r>
             <a:endParaRPr lang="zh-CN" altLang="en-US" sz="8000" b="1" cap="none" spc="0" dirty="0">
               <a:ln w="6600">
@@ -7727,6 +7729,13 @@
   <p:clrMapOvr>
     <a:masterClrMapping/>
   </p:clrMapOvr>
+  <p:timing>
+    <p:tnLst>
+      <p:par>
+        <p:cTn id="1" dur="indefinite" restart="never" nodeType="tmRoot"/>
+      </p:par>
+    </p:tnLst>
+  </p:timing>
 </p:sld>
 </file>
 
@@ -7749,99 +7758,43 @@
       </p:grpSpPr>
       <p:sp>
         <p:nvSpPr>
-          <p:cNvPr id="4" name="标题 1"/>
-          <p:cNvSpPr txBox="1">
-            <a:spLocks/>
+          <p:cNvPr id="6" name="标题 1"/>
+          <p:cNvSpPr>
+            <a:spLocks noGrp="1"/>
           </p:cNvSpPr>
           <p:nvPr/>
         </p:nvSpPr>
         <p:spPr>
           <a:xfrm>
-            <a:off x="1524000" y="1662690"/>
-            <a:ext cx="9144000" cy="1142855"/>
+            <a:off x="526473" y="155935"/>
+            <a:ext cx="9144000" cy="2387600"/>
           </a:xfrm>
           <a:prstGeom prst="rect">
             <a:avLst/>
           </a:prstGeom>
         </p:spPr>
         <p:txBody>
-          <a:bodyPr vert="horz" lIns="91440" tIns="45720" rIns="91440" bIns="45720" rtlCol="0" anchor="t">
+          <a:bodyPr vert="horz" lIns="91440" tIns="45720" rIns="91440" bIns="45720" rtlCol="0" anchor="b">
             <a:normAutofit/>
           </a:bodyPr>
           <a:lstStyle>
-            <a:lvl1pPr algn="l" defTabSz="457200" rtl="0" eaLnBrk="1" latinLnBrk="0" hangingPunct="1">
+            <a:lvl1pPr algn="ctr" defTabSz="914400" rtl="0" eaLnBrk="1" latinLnBrk="0" hangingPunct="1">
+              <a:lnSpc>
+                <a:spcPct val="90000"/>
+              </a:lnSpc>
               <a:spcBef>
                 <a:spcPct val="0"/>
               </a:spcBef>
               <a:buNone/>
-              <a:defRPr sz="3600" kern="1200">
+              <a:defRPr sz="6000" kern="1200">
                 <a:solidFill>
-                  <a:schemeClr val="tx1">
-                    <a:lumMod val="85000"/>
-                    <a:lumOff val="15000"/>
-                  </a:schemeClr>
+                  <a:schemeClr val="tx1"/>
                 </a:solidFill>
                 <a:latin typeface="+mj-lt"/>
                 <a:ea typeface="+mj-ea"/>
                 <a:cs typeface="+mj-cs"/>
               </a:defRPr>
             </a:lvl1pPr>
-            <a:lvl2pPr eaLnBrk="1" hangingPunct="1">
-              <a:defRPr>
-                <a:solidFill>
-                  <a:schemeClr val="tx2"/>
-                </a:solidFill>
-              </a:defRPr>
-            </a:lvl2pPr>
-            <a:lvl3pPr eaLnBrk="1" hangingPunct="1">
-              <a:defRPr>
-                <a:solidFill>
-                  <a:schemeClr val="tx2"/>
-                </a:solidFill>
-              </a:defRPr>
-            </a:lvl3pPr>
-            <a:lvl4pPr eaLnBrk="1" hangingPunct="1">
-              <a:defRPr>
-                <a:solidFill>
-                  <a:schemeClr val="tx2"/>
-                </a:solidFill>
-              </a:defRPr>
-            </a:lvl4pPr>
-            <a:lvl5pPr eaLnBrk="1" hangingPunct="1">
-              <a:defRPr>
-                <a:solidFill>
-                  <a:schemeClr val="tx2"/>
-                </a:solidFill>
-              </a:defRPr>
-            </a:lvl5pPr>
-            <a:lvl6pPr eaLnBrk="1" hangingPunct="1">
-              <a:defRPr>
-                <a:solidFill>
-                  <a:schemeClr val="tx2"/>
-                </a:solidFill>
-              </a:defRPr>
-            </a:lvl6pPr>
-            <a:lvl7pPr eaLnBrk="1" hangingPunct="1">
-              <a:defRPr>
-                <a:solidFill>
-                  <a:schemeClr val="tx2"/>
-                </a:solidFill>
-              </a:defRPr>
-            </a:lvl7pPr>
-            <a:lvl8pPr eaLnBrk="1" hangingPunct="1">
-              <a:defRPr>
-                <a:solidFill>
-                  <a:schemeClr val="tx2"/>
-                </a:solidFill>
-              </a:defRPr>
-            </a:lvl8pPr>
-            <a:lvl9pPr eaLnBrk="1" hangingPunct="1">
-              <a:defRPr>
-                <a:solidFill>
-                  <a:schemeClr val="tx2"/>
-                </a:solidFill>
-              </a:defRPr>
-            </a:lvl9pPr>
           </a:lstStyle>
           <a:p>
             <a:r>
@@ -7854,15 +7807,15 @@
       </p:sp>
       <p:sp>
         <p:nvSpPr>
-          <p:cNvPr id="5" name="副标题 2"/>
-          <p:cNvSpPr txBox="1">
-            <a:spLocks/>
+          <p:cNvPr id="7" name="副标题 2"/>
+          <p:cNvSpPr>
+            <a:spLocks noGrp="1"/>
           </p:cNvSpPr>
           <p:nvPr/>
         </p:nvSpPr>
         <p:spPr>
           <a:xfrm>
-            <a:off x="1524000" y="3602038"/>
+            <a:off x="1524000" y="2781083"/>
             <a:ext cx="9144000" cy="1655762"/>
           </a:xfrm>
           <a:prstGeom prst="rect">
@@ -7874,216 +7827,162 @@
             <a:noAutofit/>
           </a:bodyPr>
           <a:lstStyle>
-            <a:lvl1pPr marL="342900" indent="-342900" algn="l" defTabSz="457200" rtl="0" eaLnBrk="1" latinLnBrk="0" hangingPunct="1">
+            <a:lvl1pPr marL="0" indent="0" algn="ctr" defTabSz="914400" rtl="0" eaLnBrk="1" latinLnBrk="0" hangingPunct="1">
+              <a:lnSpc>
+                <a:spcPct val="90000"/>
+              </a:lnSpc>
               <a:spcBef>
                 <a:spcPts val="1000"/>
               </a:spcBef>
-              <a:spcAft>
-                <a:spcPts val="0"/>
-              </a:spcAft>
-              <a:buClr>
-                <a:schemeClr val="accent1"/>
-              </a:buClr>
-              <a:buFont typeface="Wingdings 3" charset="2"/>
-              <a:buChar char=""/>
-              <a:defRPr sz="1800" kern="1200">
+              <a:buFont typeface="Arial" panose="020B0604020202020204" pitchFamily="34" charset="0"/>
+              <a:buNone/>
+              <a:defRPr sz="2400" kern="1200">
                 <a:solidFill>
-                  <a:schemeClr val="tx1">
-                    <a:lumMod val="75000"/>
-                    <a:lumOff val="25000"/>
-                  </a:schemeClr>
+                  <a:schemeClr val="tx1"/>
                 </a:solidFill>
                 <a:latin typeface="+mn-lt"/>
                 <a:ea typeface="+mn-ea"/>
                 <a:cs typeface="+mn-cs"/>
               </a:defRPr>
             </a:lvl1pPr>
-            <a:lvl2pPr marL="742950" indent="-285750" algn="l" defTabSz="457200" rtl="0" eaLnBrk="1" latinLnBrk="0" hangingPunct="1">
+            <a:lvl2pPr marL="457200" indent="0" algn="ctr" defTabSz="914400" rtl="0" eaLnBrk="1" latinLnBrk="0" hangingPunct="1">
+              <a:lnSpc>
+                <a:spcPct val="90000"/>
+              </a:lnSpc>
               <a:spcBef>
-                <a:spcPts val="1000"/>
+                <a:spcPts val="500"/>
               </a:spcBef>
-              <a:spcAft>
-                <a:spcPts val="0"/>
-              </a:spcAft>
-              <a:buClr>
-                <a:schemeClr val="accent1"/>
-              </a:buClr>
-              <a:buFont typeface="Wingdings 3" charset="2"/>
-              <a:buChar char=""/>
-              <a:defRPr sz="1600" kern="1200">
+              <a:buFont typeface="Arial" panose="020B0604020202020204" pitchFamily="34" charset="0"/>
+              <a:buNone/>
+              <a:defRPr sz="2000" kern="1200">
                 <a:solidFill>
-                  <a:schemeClr val="tx1">
-                    <a:lumMod val="75000"/>
-                    <a:lumOff val="25000"/>
-                  </a:schemeClr>
+                  <a:schemeClr val="tx1"/>
                 </a:solidFill>
                 <a:latin typeface="+mn-lt"/>
                 <a:ea typeface="+mn-ea"/>
                 <a:cs typeface="+mn-cs"/>
               </a:defRPr>
             </a:lvl2pPr>
-            <a:lvl3pPr marL="1143000" indent="-228600" algn="l" defTabSz="457200" rtl="0" eaLnBrk="1" latinLnBrk="0" hangingPunct="1">
+            <a:lvl3pPr marL="914400" indent="0" algn="ctr" defTabSz="914400" rtl="0" eaLnBrk="1" latinLnBrk="0" hangingPunct="1">
+              <a:lnSpc>
+                <a:spcPct val="90000"/>
+              </a:lnSpc>
               <a:spcBef>
-                <a:spcPts val="1000"/>
+                <a:spcPts val="500"/>
               </a:spcBef>
-              <a:spcAft>
-                <a:spcPts val="0"/>
-              </a:spcAft>
-              <a:buClr>
-                <a:schemeClr val="accent1"/>
-              </a:buClr>
-              <a:buFont typeface="Wingdings 3" charset="2"/>
-              <a:buChar char=""/>
-              <a:defRPr sz="1400" kern="1200">
+              <a:buFont typeface="Arial" panose="020B0604020202020204" pitchFamily="34" charset="0"/>
+              <a:buNone/>
+              <a:defRPr sz="1800" kern="1200">
                 <a:solidFill>
-                  <a:schemeClr val="tx1">
-                    <a:lumMod val="75000"/>
-                    <a:lumOff val="25000"/>
-                  </a:schemeClr>
+                  <a:schemeClr val="tx1"/>
                 </a:solidFill>
                 <a:latin typeface="+mn-lt"/>
                 <a:ea typeface="+mn-ea"/>
                 <a:cs typeface="+mn-cs"/>
               </a:defRPr>
             </a:lvl3pPr>
-            <a:lvl4pPr marL="1600200" indent="-228600" algn="l" defTabSz="457200" rtl="0" eaLnBrk="1" latinLnBrk="0" hangingPunct="1">
+            <a:lvl4pPr marL="1371600" indent="0" algn="ctr" defTabSz="914400" rtl="0" eaLnBrk="1" latinLnBrk="0" hangingPunct="1">
+              <a:lnSpc>
+                <a:spcPct val="90000"/>
+              </a:lnSpc>
               <a:spcBef>
-                <a:spcPts val="1000"/>
+                <a:spcPts val="500"/>
               </a:spcBef>
-              <a:spcAft>
-                <a:spcPts val="0"/>
-              </a:spcAft>
-              <a:buClr>
-                <a:schemeClr val="accent1"/>
-              </a:buClr>
-              <a:buFont typeface="Wingdings 3" charset="2"/>
-              <a:buChar char=""/>
-              <a:defRPr sz="1200" kern="1200">
+              <a:buFont typeface="Arial" panose="020B0604020202020204" pitchFamily="34" charset="0"/>
+              <a:buNone/>
+              <a:defRPr sz="1600" kern="1200">
                 <a:solidFill>
-                  <a:schemeClr val="tx1">
-                    <a:lumMod val="75000"/>
-                    <a:lumOff val="25000"/>
-                  </a:schemeClr>
+                  <a:schemeClr val="tx1"/>
                 </a:solidFill>
                 <a:latin typeface="+mn-lt"/>
                 <a:ea typeface="+mn-ea"/>
                 <a:cs typeface="+mn-cs"/>
               </a:defRPr>
             </a:lvl4pPr>
-            <a:lvl5pPr marL="2057400" indent="-228600" algn="l" defTabSz="457200" rtl="0" eaLnBrk="1" latinLnBrk="0" hangingPunct="1">
+            <a:lvl5pPr marL="1828800" indent="0" algn="ctr" defTabSz="914400" rtl="0" eaLnBrk="1" latinLnBrk="0" hangingPunct="1">
+              <a:lnSpc>
+                <a:spcPct val="90000"/>
+              </a:lnSpc>
               <a:spcBef>
-                <a:spcPts val="1000"/>
+                <a:spcPts val="500"/>
               </a:spcBef>
-              <a:spcAft>
-                <a:spcPts val="0"/>
-              </a:spcAft>
-              <a:buClr>
-                <a:schemeClr val="accent1"/>
-              </a:buClr>
-              <a:buFont typeface="Wingdings 3" charset="2"/>
-              <a:buChar char=""/>
-              <a:defRPr sz="1200" kern="1200">
+              <a:buFont typeface="Arial" panose="020B0604020202020204" pitchFamily="34" charset="0"/>
+              <a:buNone/>
+              <a:defRPr sz="1600" kern="1200">
                 <a:solidFill>
-                  <a:schemeClr val="tx1">
-                    <a:lumMod val="75000"/>
-                    <a:lumOff val="25000"/>
-                  </a:schemeClr>
+                  <a:schemeClr val="tx1"/>
                 </a:solidFill>
                 <a:latin typeface="+mn-lt"/>
                 <a:ea typeface="+mn-ea"/>
                 <a:cs typeface="+mn-cs"/>
               </a:defRPr>
             </a:lvl5pPr>
-            <a:lvl6pPr marL="2514600" indent="-228600" algn="l" defTabSz="457200" rtl="0" eaLnBrk="1" latinLnBrk="0" hangingPunct="1">
+            <a:lvl6pPr marL="2286000" indent="0" algn="ctr" defTabSz="914400" rtl="0" eaLnBrk="1" latinLnBrk="0" hangingPunct="1">
+              <a:lnSpc>
+                <a:spcPct val="90000"/>
+              </a:lnSpc>
               <a:spcBef>
-                <a:spcPts val="1000"/>
+                <a:spcPts val="500"/>
               </a:spcBef>
-              <a:spcAft>
-                <a:spcPts val="0"/>
-              </a:spcAft>
-              <a:buClr>
-                <a:schemeClr val="accent1"/>
-              </a:buClr>
-              <a:buFont typeface="Wingdings 3" charset="2"/>
-              <a:buChar char=""/>
-              <a:defRPr sz="1200" kern="1200">
+              <a:buFont typeface="Arial" panose="020B0604020202020204" pitchFamily="34" charset="0"/>
+              <a:buNone/>
+              <a:defRPr sz="1600" kern="1200">
                 <a:solidFill>
-                  <a:schemeClr val="tx1">
-                    <a:lumMod val="75000"/>
-                    <a:lumOff val="25000"/>
-                  </a:schemeClr>
+                  <a:schemeClr val="tx1"/>
                 </a:solidFill>
                 <a:latin typeface="+mn-lt"/>
                 <a:ea typeface="+mn-ea"/>
                 <a:cs typeface="+mn-cs"/>
               </a:defRPr>
             </a:lvl6pPr>
-            <a:lvl7pPr marL="2971800" indent="-228600" algn="l" defTabSz="457200" rtl="0" eaLnBrk="1" latinLnBrk="0" hangingPunct="1">
+            <a:lvl7pPr marL="2743200" indent="0" algn="ctr" defTabSz="914400" rtl="0" eaLnBrk="1" latinLnBrk="0" hangingPunct="1">
+              <a:lnSpc>
+                <a:spcPct val="90000"/>
+              </a:lnSpc>
               <a:spcBef>
-                <a:spcPts val="1000"/>
+                <a:spcPts val="500"/>
               </a:spcBef>
-              <a:spcAft>
-                <a:spcPts val="0"/>
-              </a:spcAft>
-              <a:buClr>
-                <a:schemeClr val="accent1"/>
-              </a:buClr>
-              <a:buFont typeface="Wingdings 3" charset="2"/>
-              <a:buChar char=""/>
-              <a:defRPr sz="1200" kern="1200">
+              <a:buFont typeface="Arial" panose="020B0604020202020204" pitchFamily="34" charset="0"/>
+              <a:buNone/>
+              <a:defRPr sz="1600" kern="1200">
                 <a:solidFill>
-                  <a:schemeClr val="tx1">
-                    <a:lumMod val="75000"/>
-                    <a:lumOff val="25000"/>
-                  </a:schemeClr>
+                  <a:schemeClr val="tx1"/>
                 </a:solidFill>
                 <a:latin typeface="+mn-lt"/>
                 <a:ea typeface="+mn-ea"/>
                 <a:cs typeface="+mn-cs"/>
               </a:defRPr>
             </a:lvl7pPr>
-            <a:lvl8pPr marL="3429000" indent="-228600" algn="l" defTabSz="457200" rtl="0" eaLnBrk="1" latinLnBrk="0" hangingPunct="1">
+            <a:lvl8pPr marL="3200400" indent="0" algn="ctr" defTabSz="914400" rtl="0" eaLnBrk="1" latinLnBrk="0" hangingPunct="1">
+              <a:lnSpc>
+                <a:spcPct val="90000"/>
+              </a:lnSpc>
               <a:spcBef>
-                <a:spcPts val="1000"/>
+                <a:spcPts val="500"/>
               </a:spcBef>
-              <a:spcAft>
-                <a:spcPts val="0"/>
-              </a:spcAft>
-              <a:buClr>
-                <a:schemeClr val="accent1"/>
-              </a:buClr>
-              <a:buFont typeface="Wingdings 3" charset="2"/>
-              <a:buChar char=""/>
-              <a:defRPr sz="1200" kern="1200">
+              <a:buFont typeface="Arial" panose="020B0604020202020204" pitchFamily="34" charset="0"/>
+              <a:buNone/>
+              <a:defRPr sz="1600" kern="1200">
                 <a:solidFill>
-                  <a:schemeClr val="tx1">
-                    <a:lumMod val="75000"/>
-                    <a:lumOff val="25000"/>
-                  </a:schemeClr>
+                  <a:schemeClr val="tx1"/>
                 </a:solidFill>
                 <a:latin typeface="+mn-lt"/>
                 <a:ea typeface="+mn-ea"/>
                 <a:cs typeface="+mn-cs"/>
               </a:defRPr>
             </a:lvl8pPr>
-            <a:lvl9pPr marL="3886200" indent="-228600" algn="l" defTabSz="457200" rtl="0" eaLnBrk="1" latinLnBrk="0" hangingPunct="1">
+            <a:lvl9pPr marL="3657600" indent="0" algn="ctr" defTabSz="914400" rtl="0" eaLnBrk="1" latinLnBrk="0" hangingPunct="1">
+              <a:lnSpc>
+                <a:spcPct val="90000"/>
+              </a:lnSpc>
               <a:spcBef>
-                <a:spcPts val="1000"/>
+                <a:spcPts val="500"/>
               </a:spcBef>
-              <a:spcAft>
-                <a:spcPts val="0"/>
-              </a:spcAft>
-              <a:buClr>
-                <a:schemeClr val="accent1"/>
-              </a:buClr>
-              <a:buFont typeface="Wingdings 3" charset="2"/>
-              <a:buChar char=""/>
-              <a:defRPr sz="1200" kern="1200">
+              <a:buFont typeface="Arial" panose="020B0604020202020204" pitchFamily="34" charset="0"/>
+              <a:buNone/>
+              <a:defRPr sz="1600" kern="1200">
                 <a:solidFill>
-                  <a:schemeClr val="tx1">
-                    <a:lumMod val="75000"/>
-                    <a:lumOff val="25000"/>
-                  </a:schemeClr>
+                  <a:schemeClr val="tx1"/>
                 </a:solidFill>
                 <a:latin typeface="+mn-lt"/>
                 <a:ea typeface="+mn-ea"/>
@@ -8092,15 +7991,10 @@
             </a:lvl9pPr>
           </a:lstStyle>
           <a:p>
+            <a:pPr algn="l"/>
             <a:r>
               <a:rPr lang="en-US" altLang="zh-CN" sz="3600" dirty="0" smtClean="0"/>
-              <a:t>1.Make the employment more convenient </a:t>
-            </a:r>
-          </a:p>
-          <a:p>
-            <a:r>
-              <a:rPr lang="en-US" altLang="zh-CN" sz="3600" dirty="0" smtClean="0"/>
-              <a:t>2.Connect between the employer and employee</a:t>
+              <a:t>1.Make the employment more convenient 2.Connect between the employer and employee</a:t>
             </a:r>
             <a:endParaRPr lang="zh-CN" altLang="en-US" sz="3600" dirty="0"/>
           </a:p>
@@ -8109,13 +8003,20 @@
     </p:spTree>
     <p:extLst>
       <p:ext uri="{BB962C8B-B14F-4D97-AF65-F5344CB8AC3E}">
-        <p14:creationId xmlns:p14="http://schemas.microsoft.com/office/powerpoint/2010/main" val="1630897736"/>
+        <p14:creationId xmlns:p14="http://schemas.microsoft.com/office/powerpoint/2010/main" val="4164861189"/>
       </p:ext>
     </p:extLst>
   </p:cSld>
   <p:clrMapOvr>
     <a:masterClrMapping/>
   </p:clrMapOvr>
+  <p:timing>
+    <p:tnLst>
+      <p:par>
+        <p:cTn id="1" dur="indefinite" restart="never" nodeType="tmRoot"/>
+      </p:par>
+    </p:tnLst>
+  </p:timing>
 </p:sld>
 </file>
 
@@ -8142,28 +8043,45 @@
           <p:cNvSpPr>
             <a:spLocks noGrp="1"/>
           </p:cNvSpPr>
-          <p:nvPr>
-            <p:ph type="title"/>
-          </p:nvPr>
+          <p:nvPr/>
         </p:nvSpPr>
         <p:spPr>
           <a:xfrm>
-            <a:off x="1676400" y="803007"/>
+            <a:off x="1939637" y="523081"/>
             <a:ext cx="10515600" cy="1325563"/>
           </a:xfrm>
+          <a:prstGeom prst="rect">
+            <a:avLst/>
+          </a:prstGeom>
         </p:spPr>
         <p:txBody>
-          <a:bodyPr/>
-          <a:lstStyle/>
+          <a:bodyPr vert="horz" lIns="91440" tIns="45720" rIns="91440" bIns="45720" rtlCol="0" anchor="ctr">
+            <a:normAutofit/>
+          </a:bodyPr>
+          <a:lstStyle>
+            <a:lvl1pPr algn="l" defTabSz="914400" rtl="0" eaLnBrk="1" latinLnBrk="0" hangingPunct="1">
+              <a:lnSpc>
+                <a:spcPct val="90000"/>
+              </a:lnSpc>
+              <a:spcBef>
+                <a:spcPct val="0"/>
+              </a:spcBef>
+              <a:buNone/>
+              <a:defRPr sz="4400" kern="1200">
+                <a:solidFill>
+                  <a:schemeClr val="tx1"/>
+                </a:solidFill>
+                <a:latin typeface="+mj-lt"/>
+                <a:ea typeface="+mj-ea"/>
+                <a:cs typeface="+mj-cs"/>
+              </a:defRPr>
+            </a:lvl1pPr>
+          </a:lstStyle>
           <a:p>
             <a:r>
               <a:rPr lang="en-US" altLang="zh-CN" dirty="0" smtClean="0"/>
               <a:t>Audiences</a:t>
             </a:r>
-            <a:r>
-              <a:rPr lang="zh-CN" altLang="en-US" dirty="0" smtClean="0"/>
-              <a:t>：</a:t>
-            </a:r>
             <a:endParaRPr lang="zh-CN" altLang="en-US" dirty="0"/>
           </a:p>
         </p:txBody>
@@ -8174,27 +8092,191 @@
           <p:cNvSpPr>
             <a:spLocks noGrp="1"/>
           </p:cNvSpPr>
-          <p:nvPr>
-            <p:ph idx="1"/>
-          </p:nvPr>
+          <p:nvPr/>
         </p:nvSpPr>
         <p:spPr>
           <a:xfrm>
-            <a:off x="1676400" y="2727146"/>
+            <a:off x="1939637" y="1983581"/>
             <a:ext cx="10515600" cy="4351338"/>
           </a:xfrm>
+          <a:prstGeom prst="rect">
+            <a:avLst/>
+          </a:prstGeom>
         </p:spPr>
         <p:txBody>
-          <a:bodyPr>
+          <a:bodyPr vert="horz" lIns="91440" tIns="45720" rIns="91440" bIns="45720" rtlCol="0">
             <a:normAutofit/>
           </a:bodyPr>
-          <a:lstStyle/>
+          <a:lstStyle>
+            <a:lvl1pPr marL="228600" indent="-228600" algn="l" defTabSz="914400" rtl="0" eaLnBrk="1" latinLnBrk="0" hangingPunct="1">
+              <a:lnSpc>
+                <a:spcPct val="90000"/>
+              </a:lnSpc>
+              <a:spcBef>
+                <a:spcPts val="1000"/>
+              </a:spcBef>
+              <a:buFont typeface="Arial" panose="020B0604020202020204" pitchFamily="34" charset="0"/>
+              <a:buChar char="•"/>
+              <a:defRPr sz="2800" kern="1200">
+                <a:solidFill>
+                  <a:schemeClr val="tx1"/>
+                </a:solidFill>
+                <a:latin typeface="+mn-lt"/>
+                <a:ea typeface="+mn-ea"/>
+                <a:cs typeface="+mn-cs"/>
+              </a:defRPr>
+            </a:lvl1pPr>
+            <a:lvl2pPr marL="685800" indent="-228600" algn="l" defTabSz="914400" rtl="0" eaLnBrk="1" latinLnBrk="0" hangingPunct="1">
+              <a:lnSpc>
+                <a:spcPct val="90000"/>
+              </a:lnSpc>
+              <a:spcBef>
+                <a:spcPts val="500"/>
+              </a:spcBef>
+              <a:buFont typeface="Arial" panose="020B0604020202020204" pitchFamily="34" charset="0"/>
+              <a:buChar char="•"/>
+              <a:defRPr sz="2400" kern="1200">
+                <a:solidFill>
+                  <a:schemeClr val="tx1"/>
+                </a:solidFill>
+                <a:latin typeface="+mn-lt"/>
+                <a:ea typeface="+mn-ea"/>
+                <a:cs typeface="+mn-cs"/>
+              </a:defRPr>
+            </a:lvl2pPr>
+            <a:lvl3pPr marL="1143000" indent="-228600" algn="l" defTabSz="914400" rtl="0" eaLnBrk="1" latinLnBrk="0" hangingPunct="1">
+              <a:lnSpc>
+                <a:spcPct val="90000"/>
+              </a:lnSpc>
+              <a:spcBef>
+                <a:spcPts val="500"/>
+              </a:spcBef>
+              <a:buFont typeface="Arial" panose="020B0604020202020204" pitchFamily="34" charset="0"/>
+              <a:buChar char="•"/>
+              <a:defRPr sz="2000" kern="1200">
+                <a:solidFill>
+                  <a:schemeClr val="tx1"/>
+                </a:solidFill>
+                <a:latin typeface="+mn-lt"/>
+                <a:ea typeface="+mn-ea"/>
+                <a:cs typeface="+mn-cs"/>
+              </a:defRPr>
+            </a:lvl3pPr>
+            <a:lvl4pPr marL="1600200" indent="-228600" algn="l" defTabSz="914400" rtl="0" eaLnBrk="1" latinLnBrk="0" hangingPunct="1">
+              <a:lnSpc>
+                <a:spcPct val="90000"/>
+              </a:lnSpc>
+              <a:spcBef>
+                <a:spcPts val="500"/>
+              </a:spcBef>
+              <a:buFont typeface="Arial" panose="020B0604020202020204" pitchFamily="34" charset="0"/>
+              <a:buChar char="•"/>
+              <a:defRPr sz="1800" kern="1200">
+                <a:solidFill>
+                  <a:schemeClr val="tx1"/>
+                </a:solidFill>
+                <a:latin typeface="+mn-lt"/>
+                <a:ea typeface="+mn-ea"/>
+                <a:cs typeface="+mn-cs"/>
+              </a:defRPr>
+            </a:lvl4pPr>
+            <a:lvl5pPr marL="2057400" indent="-228600" algn="l" defTabSz="914400" rtl="0" eaLnBrk="1" latinLnBrk="0" hangingPunct="1">
+              <a:lnSpc>
+                <a:spcPct val="90000"/>
+              </a:lnSpc>
+              <a:spcBef>
+                <a:spcPts val="500"/>
+              </a:spcBef>
+              <a:buFont typeface="Arial" panose="020B0604020202020204" pitchFamily="34" charset="0"/>
+              <a:buChar char="•"/>
+              <a:defRPr sz="1800" kern="1200">
+                <a:solidFill>
+                  <a:schemeClr val="tx1"/>
+                </a:solidFill>
+                <a:latin typeface="+mn-lt"/>
+                <a:ea typeface="+mn-ea"/>
+                <a:cs typeface="+mn-cs"/>
+              </a:defRPr>
+            </a:lvl5pPr>
+            <a:lvl6pPr marL="2514600" indent="-228600" algn="l" defTabSz="914400" rtl="0" eaLnBrk="1" latinLnBrk="0" hangingPunct="1">
+              <a:lnSpc>
+                <a:spcPct val="90000"/>
+              </a:lnSpc>
+              <a:spcBef>
+                <a:spcPts val="500"/>
+              </a:spcBef>
+              <a:buFont typeface="Arial" panose="020B0604020202020204" pitchFamily="34" charset="0"/>
+              <a:buChar char="•"/>
+              <a:defRPr sz="1800" kern="1200">
+                <a:solidFill>
+                  <a:schemeClr val="tx1"/>
+                </a:solidFill>
+                <a:latin typeface="+mn-lt"/>
+                <a:ea typeface="+mn-ea"/>
+                <a:cs typeface="+mn-cs"/>
+              </a:defRPr>
+            </a:lvl6pPr>
+            <a:lvl7pPr marL="2971800" indent="-228600" algn="l" defTabSz="914400" rtl="0" eaLnBrk="1" latinLnBrk="0" hangingPunct="1">
+              <a:lnSpc>
+                <a:spcPct val="90000"/>
+              </a:lnSpc>
+              <a:spcBef>
+                <a:spcPts val="500"/>
+              </a:spcBef>
+              <a:buFont typeface="Arial" panose="020B0604020202020204" pitchFamily="34" charset="0"/>
+              <a:buChar char="•"/>
+              <a:defRPr sz="1800" kern="1200">
+                <a:solidFill>
+                  <a:schemeClr val="tx1"/>
+                </a:solidFill>
+                <a:latin typeface="+mn-lt"/>
+                <a:ea typeface="+mn-ea"/>
+                <a:cs typeface="+mn-cs"/>
+              </a:defRPr>
+            </a:lvl7pPr>
+            <a:lvl8pPr marL="3429000" indent="-228600" algn="l" defTabSz="914400" rtl="0" eaLnBrk="1" latinLnBrk="0" hangingPunct="1">
+              <a:lnSpc>
+                <a:spcPct val="90000"/>
+              </a:lnSpc>
+              <a:spcBef>
+                <a:spcPts val="500"/>
+              </a:spcBef>
+              <a:buFont typeface="Arial" panose="020B0604020202020204" pitchFamily="34" charset="0"/>
+              <a:buChar char="•"/>
+              <a:defRPr sz="1800" kern="1200">
+                <a:solidFill>
+                  <a:schemeClr val="tx1"/>
+                </a:solidFill>
+                <a:latin typeface="+mn-lt"/>
+                <a:ea typeface="+mn-ea"/>
+                <a:cs typeface="+mn-cs"/>
+              </a:defRPr>
+            </a:lvl8pPr>
+            <a:lvl9pPr marL="3886200" indent="-228600" algn="l" defTabSz="914400" rtl="0" eaLnBrk="1" latinLnBrk="0" hangingPunct="1">
+              <a:lnSpc>
+                <a:spcPct val="90000"/>
+              </a:lnSpc>
+              <a:spcBef>
+                <a:spcPts val="500"/>
+              </a:spcBef>
+              <a:buFont typeface="Arial" panose="020B0604020202020204" pitchFamily="34" charset="0"/>
+              <a:buChar char="•"/>
+              <a:defRPr sz="1800" kern="1200">
+                <a:solidFill>
+                  <a:schemeClr val="tx1"/>
+                </a:solidFill>
+                <a:latin typeface="+mn-lt"/>
+                <a:ea typeface="+mn-ea"/>
+                <a:cs typeface="+mn-cs"/>
+              </a:defRPr>
+            </a:lvl9pPr>
+          </a:lstStyle>
           <a:p>
             <a:pPr marL="0" indent="0">
               <a:buNone/>
             </a:pPr>
             <a:r>
-              <a:rPr lang="en-US" altLang="zh-CN" sz="3600" dirty="0" smtClean="0"/>
+              <a:rPr lang="en-US" altLang="zh-CN" sz="4000" dirty="0" smtClean="0"/>
               <a:t>1.Students(employee)</a:t>
             </a:r>
           </a:p>
@@ -8203,27 +8285,310 @@
               <a:buNone/>
             </a:pPr>
             <a:r>
-              <a:rPr lang="en-US" altLang="zh-CN" sz="3600" dirty="0" smtClean="0"/>
+              <a:rPr lang="en-US" altLang="zh-CN" sz="4000" dirty="0" smtClean="0"/>
               <a:t>2.Companies(employer)</a:t>
             </a:r>
-            <a:endParaRPr lang="zh-CN" altLang="en-US" sz="3600" dirty="0"/>
+            <a:endParaRPr lang="zh-CN" altLang="en-US" sz="4000" dirty="0"/>
           </a:p>
         </p:txBody>
       </p:sp>
     </p:spTree>
     <p:extLst>
       <p:ext uri="{BB962C8B-B14F-4D97-AF65-F5344CB8AC3E}">
-        <p14:creationId xmlns:p14="http://schemas.microsoft.com/office/powerpoint/2010/main" val="2324334923"/>
+        <p14:creationId xmlns:p14="http://schemas.microsoft.com/office/powerpoint/2010/main" val="2343392879"/>
       </p:ext>
     </p:extLst>
   </p:cSld>
   <p:clrMapOvr>
     <a:masterClrMapping/>
   </p:clrMapOvr>
+  <p:timing>
+    <p:tnLst>
+      <p:par>
+        <p:cTn id="1" dur="indefinite" restart="never" nodeType="tmRoot"/>
+      </p:par>
+    </p:tnLst>
+  </p:timing>
 </p:sld>
 </file>
 
 <file path=ppt/slides/slide4.xml><?xml version="1.0" encoding="utf-8"?>
+<p:sld xmlns:a="http://schemas.openxmlformats.org/drawingml/2006/main" xmlns:r="http://schemas.openxmlformats.org/officeDocument/2006/relationships" xmlns:p="http://schemas.openxmlformats.org/presentationml/2006/main">
+  <p:cSld>
+    <p:spTree>
+      <p:nvGrpSpPr>
+        <p:cNvPr id="1" name=""/>
+        <p:cNvGrpSpPr/>
+        <p:nvPr/>
+      </p:nvGrpSpPr>
+      <p:grpSpPr>
+        <a:xfrm>
+          <a:off x="0" y="0"/>
+          <a:ext cx="0" cy="0"/>
+          <a:chOff x="0" y="0"/>
+          <a:chExt cx="0" cy="0"/>
+        </a:xfrm>
+      </p:grpSpPr>
+      <p:sp>
+        <p:nvSpPr>
+          <p:cNvPr id="4" name="矩形 3"/>
+          <p:cNvSpPr/>
+          <p:nvPr/>
+        </p:nvSpPr>
+        <p:spPr>
+          <a:xfrm>
+            <a:off x="682806" y="551681"/>
+            <a:ext cx="5967789" cy="923330"/>
+          </a:xfrm>
+          <a:prstGeom prst="rect">
+            <a:avLst/>
+          </a:prstGeom>
+          <a:noFill/>
+        </p:spPr>
+        <p:txBody>
+          <a:bodyPr wrap="none" lIns="91440" tIns="45720" rIns="91440" bIns="45720">
+            <a:spAutoFit/>
+          </a:bodyPr>
+          <a:lstStyle/>
+          <a:p>
+            <a:pPr algn="ctr"/>
+            <a:r>
+              <a:rPr lang="en-US" altLang="zh-CN" sz="5400" b="1" cap="none" spc="0" dirty="0" smtClean="0">
+                <a:ln/>
+                <a:pattFill prst="dkUpDiag">
+                  <a:fgClr>
+                    <a:schemeClr val="bg1">
+                      <a:lumMod val="50000"/>
+                    </a:schemeClr>
+                  </a:fgClr>
+                  <a:bgClr>
+                    <a:schemeClr val="tx1">
+                      <a:lumMod val="75000"/>
+                      <a:lumOff val="25000"/>
+                    </a:schemeClr>
+                  </a:bgClr>
+                </a:pattFill>
+                <a:effectLst>
+                  <a:outerShdw blurRad="38100" dist="19050" dir="2700000" algn="tl" rotWithShape="0">
+                    <a:schemeClr val="dk1">
+                      <a:lumMod val="50000"/>
+                      <a:alpha val="40000"/>
+                    </a:schemeClr>
+                  </a:outerShdw>
+                </a:effectLst>
+              </a:rPr>
+              <a:t>Use Case Overview </a:t>
+            </a:r>
+            <a:endParaRPr lang="zh-CN" altLang="en-US" sz="5400" b="1" cap="none" spc="0" dirty="0">
+              <a:ln/>
+              <a:pattFill prst="dkUpDiag">
+                <a:fgClr>
+                  <a:schemeClr val="bg1">
+                    <a:lumMod val="50000"/>
+                  </a:schemeClr>
+                </a:fgClr>
+                <a:bgClr>
+                  <a:schemeClr val="tx1">
+                    <a:lumMod val="75000"/>
+                    <a:lumOff val="25000"/>
+                  </a:schemeClr>
+                </a:bgClr>
+              </a:pattFill>
+              <a:effectLst>
+                <a:outerShdw blurRad="38100" dist="19050" dir="2700000" algn="tl" rotWithShape="0">
+                  <a:schemeClr val="dk1">
+                    <a:lumMod val="50000"/>
+                    <a:alpha val="40000"/>
+                  </a:schemeClr>
+                </a:outerShdw>
+              </a:effectLst>
+            </a:endParaRPr>
+          </a:p>
+        </p:txBody>
+      </p:sp>
+      <p:pic>
+        <p:nvPicPr>
+          <p:cNvPr id="5" name="图片 4"/>
+          <p:cNvPicPr>
+            <a:picLocks noChangeAspect="1"/>
+          </p:cNvPicPr>
+          <p:nvPr/>
+        </p:nvPicPr>
+        <p:blipFill>
+          <a:blip r:embed="rId2"/>
+          <a:stretch>
+            <a:fillRect/>
+          </a:stretch>
+        </p:blipFill>
+        <p:spPr>
+          <a:xfrm>
+            <a:off x="1540419" y="1799656"/>
+            <a:ext cx="8589319" cy="4137120"/>
+          </a:xfrm>
+          <a:prstGeom prst="rect">
+            <a:avLst/>
+          </a:prstGeom>
+        </p:spPr>
+      </p:pic>
+    </p:spTree>
+    <p:extLst>
+      <p:ext uri="{BB962C8B-B14F-4D97-AF65-F5344CB8AC3E}">
+        <p14:creationId xmlns:p14="http://schemas.microsoft.com/office/powerpoint/2010/main" val="3267700892"/>
+      </p:ext>
+    </p:extLst>
+  </p:cSld>
+  <p:clrMapOvr>
+    <a:masterClrMapping/>
+  </p:clrMapOvr>
+  <p:timing>
+    <p:tnLst>
+      <p:par>
+        <p:cTn id="1" dur="indefinite" restart="never" nodeType="tmRoot"/>
+      </p:par>
+    </p:tnLst>
+  </p:timing>
+</p:sld>
+</file>
+
+<file path=ppt/slides/slide5.xml><?xml version="1.0" encoding="utf-8"?>
+<p:sld xmlns:a="http://schemas.openxmlformats.org/drawingml/2006/main" xmlns:r="http://schemas.openxmlformats.org/officeDocument/2006/relationships" xmlns:p="http://schemas.openxmlformats.org/presentationml/2006/main">
+  <p:cSld>
+    <p:spTree>
+      <p:nvGrpSpPr>
+        <p:cNvPr id="1" name=""/>
+        <p:cNvGrpSpPr/>
+        <p:nvPr/>
+      </p:nvGrpSpPr>
+      <p:grpSpPr>
+        <a:xfrm>
+          <a:off x="0" y="0"/>
+          <a:ext cx="0" cy="0"/>
+          <a:chOff x="0" y="0"/>
+          <a:chExt cx="0" cy="0"/>
+        </a:xfrm>
+      </p:grpSpPr>
+      <p:pic>
+        <p:nvPicPr>
+          <p:cNvPr id="4" name="图片 3"/>
+          <p:cNvPicPr>
+            <a:picLocks noChangeAspect="1"/>
+          </p:cNvPicPr>
+          <p:nvPr/>
+        </p:nvPicPr>
+        <p:blipFill>
+          <a:blip r:embed="rId2"/>
+          <a:stretch>
+            <a:fillRect/>
+          </a:stretch>
+        </p:blipFill>
+        <p:spPr>
+          <a:xfrm>
+            <a:off x="1250403" y="1853891"/>
+            <a:ext cx="10560031" cy="4451375"/>
+          </a:xfrm>
+          <a:prstGeom prst="rect">
+            <a:avLst/>
+          </a:prstGeom>
+        </p:spPr>
+      </p:pic>
+      <p:sp>
+        <p:nvSpPr>
+          <p:cNvPr id="5" name="矩形 4"/>
+          <p:cNvSpPr/>
+          <p:nvPr/>
+        </p:nvSpPr>
+        <p:spPr>
+          <a:xfrm>
+            <a:off x="761354" y="551681"/>
+            <a:ext cx="5810693" cy="923330"/>
+          </a:xfrm>
+          <a:prstGeom prst="rect">
+            <a:avLst/>
+          </a:prstGeom>
+          <a:noFill/>
+        </p:spPr>
+        <p:txBody>
+          <a:bodyPr wrap="none" lIns="91440" tIns="45720" rIns="91440" bIns="45720">
+            <a:spAutoFit/>
+          </a:bodyPr>
+          <a:lstStyle/>
+          <a:p>
+            <a:pPr algn="ctr"/>
+            <a:r>
+              <a:rPr lang="en-US" altLang="zh-CN" sz="5400" b="1" cap="none" spc="0" dirty="0" smtClean="0">
+                <a:ln/>
+                <a:pattFill prst="dkUpDiag">
+                  <a:fgClr>
+                    <a:schemeClr val="bg1">
+                      <a:lumMod val="50000"/>
+                    </a:schemeClr>
+                  </a:fgClr>
+                  <a:bgClr>
+                    <a:schemeClr val="tx1">
+                      <a:lumMod val="75000"/>
+                      <a:lumOff val="25000"/>
+                    </a:schemeClr>
+                  </a:bgClr>
+                </a:pattFill>
+                <a:effectLst>
+                  <a:outerShdw blurRad="38100" dist="19050" dir="2700000" algn="tl" rotWithShape="0">
+                    <a:schemeClr val="dk1">
+                      <a:lumMod val="50000"/>
+                      <a:alpha val="40000"/>
+                    </a:schemeClr>
+                  </a:outerShdw>
+                </a:effectLst>
+              </a:rPr>
+              <a:t>Use Case Overview </a:t>
+            </a:r>
+            <a:endParaRPr lang="zh-CN" altLang="en-US" sz="5400" b="1" cap="none" spc="0" dirty="0">
+              <a:ln/>
+              <a:pattFill prst="dkUpDiag">
+                <a:fgClr>
+                  <a:schemeClr val="bg1">
+                    <a:lumMod val="50000"/>
+                  </a:schemeClr>
+                </a:fgClr>
+                <a:bgClr>
+                  <a:schemeClr val="tx1">
+                    <a:lumMod val="75000"/>
+                    <a:lumOff val="25000"/>
+                  </a:schemeClr>
+                </a:bgClr>
+              </a:pattFill>
+              <a:effectLst>
+                <a:outerShdw blurRad="38100" dist="19050" dir="2700000" algn="tl" rotWithShape="0">
+                  <a:schemeClr val="dk1">
+                    <a:lumMod val="50000"/>
+                    <a:alpha val="40000"/>
+                  </a:schemeClr>
+                </a:outerShdw>
+              </a:effectLst>
+            </a:endParaRPr>
+          </a:p>
+        </p:txBody>
+      </p:sp>
+    </p:spTree>
+    <p:extLst>
+      <p:ext uri="{BB962C8B-B14F-4D97-AF65-F5344CB8AC3E}">
+        <p14:creationId xmlns:p14="http://schemas.microsoft.com/office/powerpoint/2010/main" val="2451207476"/>
+      </p:ext>
+    </p:extLst>
+  </p:cSld>
+  <p:clrMapOvr>
+    <a:masterClrMapping/>
+  </p:clrMapOvr>
+  <p:timing>
+    <p:tnLst>
+      <p:par>
+        <p:cTn id="1" dur="indefinite" restart="never" nodeType="tmRoot"/>
+      </p:par>
+    </p:tnLst>
+  </p:timing>
+</p:sld>
+</file>
+
+<file path=ppt/slides/slide6.xml><?xml version="1.0" encoding="utf-8"?>
 <p:sld xmlns:a="http://schemas.openxmlformats.org/drawingml/2006/main" xmlns:r="http://schemas.openxmlformats.org/officeDocument/2006/relationships" xmlns:p="http://schemas.openxmlformats.org/presentationml/2006/main">
   <p:cSld>
     <p:spTree>
@@ -8280,10 +8645,17 @@
   <p:clrMapOvr>
     <a:masterClrMapping/>
   </p:clrMapOvr>
+  <p:timing>
+    <p:tnLst>
+      <p:par>
+        <p:cTn id="1" dur="indefinite" restart="never" nodeType="tmRoot"/>
+      </p:par>
+    </p:tnLst>
+  </p:timing>
 </p:sld>
 </file>
 
-<file path=ppt/slides/slide5.xml><?xml version="1.0" encoding="utf-8"?>
+<file path=ppt/slides/slide7.xml><?xml version="1.0" encoding="utf-8"?>
 <p:sld xmlns:a="http://schemas.openxmlformats.org/drawingml/2006/main" xmlns:r="http://schemas.openxmlformats.org/officeDocument/2006/relationships" xmlns:p="http://schemas.openxmlformats.org/presentationml/2006/main">
   <p:cSld>
     <p:spTree>
@@ -8350,7 +8722,7 @@
 </p:sld>
 </file>
 
-<file path=ppt/slides/slide6.xml><?xml version="1.0" encoding="utf-8"?>
+<file path=ppt/slides/slide8.xml><?xml version="1.0" encoding="utf-8"?>
 <p:sld xmlns:a="http://schemas.openxmlformats.org/drawingml/2006/main" xmlns:r="http://schemas.openxmlformats.org/officeDocument/2006/relationships" xmlns:p="http://schemas.openxmlformats.org/presentationml/2006/main">
   <p:cSld>
     <p:spTree>
@@ -8544,7 +8916,7 @@
 </p:sld>
 </file>
 
-<file path=ppt/slides/slide7.xml><?xml version="1.0" encoding="utf-8"?>
+<file path=ppt/slides/slide9.xml><?xml version="1.0" encoding="utf-8"?>
 <p:sld xmlns:a="http://schemas.openxmlformats.org/drawingml/2006/main" xmlns:r="http://schemas.openxmlformats.org/officeDocument/2006/relationships" xmlns:p="http://schemas.openxmlformats.org/presentationml/2006/main">
   <p:cSld>
     <p:spTree>
@@ -8719,6 +9091,13 @@
   <p:clrMapOvr>
     <a:masterClrMapping/>
   </p:clrMapOvr>
+  <p:timing>
+    <p:tnLst>
+      <p:par>
+        <p:cTn id="1" dur="indefinite" restart="never" nodeType="tmRoot"/>
+      </p:par>
+    </p:tnLst>
+  </p:timing>
 </p:sld>
 </file>
 
